--- a/courses/popl/slides/POPL-Review01.pptx
+++ b/courses/popl/slides/POPL-Review01.pptx
@@ -12879,7 +12879,7 @@
                   </a:schemeClr>
                 </a:solidFill>
               </a:rPr>
-              <a:t>无类型算数表达式</a:t>
+              <a:t>无类型算术表达式</a:t>
             </a:r>
             <a:endParaRPr lang="zh-CN" altLang="en-US" b="1">
               <a:solidFill>

--- a/courses/popl/slides/POPL-Review01.pptx
+++ b/courses/popl/slides/POPL-Review01.pptx
@@ -12879,7 +12879,7 @@
                   </a:schemeClr>
                 </a:solidFill>
               </a:rPr>
-              <a:t>无类型算术表达式</a:t>
+              <a:t>无类型算数表达式</a:t>
             </a:r>
             <a:endParaRPr lang="zh-CN" altLang="en-US" b="1">
               <a:solidFill>
